--- a/RoadFighter/JS UI & DOM TEAM WORK.pptx
+++ b/RoadFighter/JS UI & DOM TEAM WORK.pptx
@@ -109,6 +109,11 @@
       </a:defRPr>
     </a:lvl9pPr>
   </p:defaultTextStyle>
+  <p:extLst>
+    <p:ext uri="{EFAFB233-063F-42B5-8137-9DF3F51BA10A}">
+      <p15:sldGuideLst xmlns:p15="http://schemas.microsoft.com/office/powerpoint/2012/main"/>
+    </p:ext>
+  </p:extLst>
 </p:presentation>
 </file>
 
@@ -3779,15 +3784,15 @@
                   <a:srgbClr val="FF0000"/>
                 </a:solidFill>
               </a:rPr>
-              <a:t>Finish </a:t>
-            </a:r>
-            <a:r>
-              <a:rPr lang="en-US" sz="2400" dirty="0">
+              <a:t>Don’t hit enemy cars within the </a:t>
+            </a:r>
+            <a:r>
+              <a:rPr lang="en-US" sz="2400" smtClean="0">
                 <a:solidFill>
                   <a:srgbClr val="FF0000"/>
                 </a:solidFill>
               </a:rPr>
-              <a:t>before time has run out. </a:t>
+              <a:t>given time.</a:t>
             </a:r>
             <a:endParaRPr lang="en-US" sz="2400" dirty="0" smtClean="0">
               <a:solidFill>
